--- a/Logo-1.pptx
+++ b/Logo-1.pptx
@@ -197,7 +197,7 @@
           <a:p>
             <a:fld id="{F513E235-8893-AB46-8994-D178D1622EB2}" type="datetimeFigureOut">
               <a:rPr lang="en-US" smtClean="0"/>
-              <a:t>2/27/16</a:t>
+              <a:t>2/28/16</a:t>
             </a:fld>
             <a:endParaRPr lang="en-US"/>
           </a:p>
@@ -730,7 +730,7 @@
           <a:p>
             <a:fld id="{4D7205BB-DAA4-4848-BF8C-E4D88E8B4F15}" type="datetimeFigureOut">
               <a:rPr lang="en-US" smtClean="0"/>
-              <a:t>2/27/16</a:t>
+              <a:t>2/28/16</a:t>
             </a:fld>
             <a:endParaRPr lang="en-US"/>
           </a:p>
@@ -900,7 +900,7 @@
           <a:p>
             <a:fld id="{4D7205BB-DAA4-4848-BF8C-E4D88E8B4F15}" type="datetimeFigureOut">
               <a:rPr lang="en-US" smtClean="0"/>
-              <a:t>2/27/16</a:t>
+              <a:t>2/28/16</a:t>
             </a:fld>
             <a:endParaRPr lang="en-US"/>
           </a:p>
@@ -1080,7 +1080,7 @@
           <a:p>
             <a:fld id="{4D7205BB-DAA4-4848-BF8C-E4D88E8B4F15}" type="datetimeFigureOut">
               <a:rPr lang="en-US" smtClean="0"/>
-              <a:t>2/27/16</a:t>
+              <a:t>2/28/16</a:t>
             </a:fld>
             <a:endParaRPr lang="en-US"/>
           </a:p>
@@ -1250,7 +1250,7 @@
           <a:p>
             <a:fld id="{4D7205BB-DAA4-4848-BF8C-E4D88E8B4F15}" type="datetimeFigureOut">
               <a:rPr lang="en-US" smtClean="0"/>
-              <a:t>2/27/16</a:t>
+              <a:t>2/28/16</a:t>
             </a:fld>
             <a:endParaRPr lang="en-US"/>
           </a:p>
@@ -1496,7 +1496,7 @@
           <a:p>
             <a:fld id="{4D7205BB-DAA4-4848-BF8C-E4D88E8B4F15}" type="datetimeFigureOut">
               <a:rPr lang="en-US" smtClean="0"/>
-              <a:t>2/27/16</a:t>
+              <a:t>2/28/16</a:t>
             </a:fld>
             <a:endParaRPr lang="en-US"/>
           </a:p>
@@ -1784,7 +1784,7 @@
           <a:p>
             <a:fld id="{4D7205BB-DAA4-4848-BF8C-E4D88E8B4F15}" type="datetimeFigureOut">
               <a:rPr lang="en-US" smtClean="0"/>
-              <a:t>2/27/16</a:t>
+              <a:t>2/28/16</a:t>
             </a:fld>
             <a:endParaRPr lang="en-US"/>
           </a:p>
@@ -2206,7 +2206,7 @@
           <a:p>
             <a:fld id="{4D7205BB-DAA4-4848-BF8C-E4D88E8B4F15}" type="datetimeFigureOut">
               <a:rPr lang="en-US" smtClean="0"/>
-              <a:t>2/27/16</a:t>
+              <a:t>2/28/16</a:t>
             </a:fld>
             <a:endParaRPr lang="en-US"/>
           </a:p>
@@ -2324,7 +2324,7 @@
           <a:p>
             <a:fld id="{4D7205BB-DAA4-4848-BF8C-E4D88E8B4F15}" type="datetimeFigureOut">
               <a:rPr lang="en-US" smtClean="0"/>
-              <a:t>2/27/16</a:t>
+              <a:t>2/28/16</a:t>
             </a:fld>
             <a:endParaRPr lang="en-US"/>
           </a:p>
@@ -2419,7 +2419,7 @@
           <a:p>
             <a:fld id="{4D7205BB-DAA4-4848-BF8C-E4D88E8B4F15}" type="datetimeFigureOut">
               <a:rPr lang="en-US" smtClean="0"/>
-              <a:t>2/27/16</a:t>
+              <a:t>2/28/16</a:t>
             </a:fld>
             <a:endParaRPr lang="en-US"/>
           </a:p>
@@ -2696,7 +2696,7 @@
           <a:p>
             <a:fld id="{4D7205BB-DAA4-4848-BF8C-E4D88E8B4F15}" type="datetimeFigureOut">
               <a:rPr lang="en-US" smtClean="0"/>
-              <a:t>2/27/16</a:t>
+              <a:t>2/28/16</a:t>
             </a:fld>
             <a:endParaRPr lang="en-US"/>
           </a:p>
@@ -2949,7 +2949,7 @@
           <a:p>
             <a:fld id="{4D7205BB-DAA4-4848-BF8C-E4D88E8B4F15}" type="datetimeFigureOut">
               <a:rPr lang="en-US" smtClean="0"/>
-              <a:t>2/27/16</a:t>
+              <a:t>2/28/16</a:t>
             </a:fld>
             <a:endParaRPr lang="en-US"/>
           </a:p>
@@ -3162,7 +3162,7 @@
           <a:p>
             <a:fld id="{4D7205BB-DAA4-4848-BF8C-E4D88E8B4F15}" type="datetimeFigureOut">
               <a:rPr lang="en-US" smtClean="0"/>
-              <a:t>2/27/16</a:t>
+              <a:t>2/28/16</a:t>
             </a:fld>
             <a:endParaRPr lang="en-US"/>
           </a:p>
@@ -4292,11 +4292,7 @@
           <a:p>
             <a:r>
               <a:rPr lang="en-US" dirty="0" smtClean="0"/>
-              <a:t>If rate is </a:t>
-            </a:r>
-            <a:r>
-              <a:rPr lang="en-US" dirty="0" smtClean="0"/>
-              <a:t>&lt;40 </a:t>
+              <a:t>If rate is &lt;40 </a:t>
             </a:r>
             <a:r>
               <a:rPr lang="en-US" dirty="0" err="1" smtClean="0"/>
@@ -5042,36 +5038,6 @@
           </a:p>
         </p:txBody>
       </p:sp>
-      <p:pic>
-        <p:nvPicPr>
-          <p:cNvPr id="42" name="Picture 41" descr="IMG_4561.PNG"/>
-          <p:cNvPicPr>
-            <a:picLocks noChangeAspect="1"/>
-          </p:cNvPicPr>
-          <p:nvPr/>
-        </p:nvPicPr>
-        <p:blipFill>
-          <a:blip r:embed="rId9">
-            <a:extLst>
-              <a:ext uri="{28A0092B-C50C-407E-A947-70E740481C1C}">
-                <a14:useLocalDpi xmlns:a14="http://schemas.microsoft.com/office/drawing/2010/main" val="0"/>
-              </a:ext>
-            </a:extLst>
-          </a:blip>
-          <a:stretch>
-            <a:fillRect/>
-          </a:stretch>
-        </p:blipFill>
-        <p:spPr>
-          <a:xfrm>
-            <a:off x="2386229" y="241249"/>
-            <a:ext cx="3855697" cy="6858000"/>
-          </a:xfrm>
-          <a:prstGeom prst="rect">
-            <a:avLst/>
-          </a:prstGeom>
-        </p:spPr>
-      </p:pic>
     </p:spTree>
     <p:extLst>
       <p:ext uri="{BB962C8B-B14F-4D97-AF65-F5344CB8AC3E}">
